--- a/Doc/기능정의서.pptx
+++ b/Doc/기능정의서.pptx
@@ -5,7 +5,7 @@
     <p:sldMasterId id="2147483648" r:id="rId1"/>
   </p:sldMasterIdLst>
   <p:notesMasterIdLst>
-    <p:notesMasterId r:id="rId8"/>
+    <p:notesMasterId r:id="rId9"/>
   </p:notesMasterIdLst>
   <p:sldIdLst>
     <p:sldId id="256" r:id="rId2"/>
@@ -14,6 +14,7 @@
     <p:sldId id="261" r:id="rId5"/>
     <p:sldId id="263" r:id="rId6"/>
     <p:sldId id="264" r:id="rId7"/>
+    <p:sldId id="265" r:id="rId8"/>
   </p:sldIdLst>
   <p:sldSz cx="12192000" cy="6858000"/>
   <p:notesSz cx="6858000" cy="9144000"/>
@@ -205,7 +206,7 @@
           <a:p>
             <a:fld id="{0BED0E82-3658-4CCB-812D-34EB7FD7BA4A}" type="datetimeFigureOut">
               <a:rPr lang="ko-KR" altLang="en-US" smtClean="0"/>
-              <a:t>2021-02-02</a:t>
+              <a:t>2021-05-04</a:t>
             </a:fld>
             <a:endParaRPr lang="ko-KR" altLang="en-US"/>
           </a:p>
@@ -619,7 +620,7 @@
           <a:p>
             <a:fld id="{79B03FC2-6042-4981-9EF4-57916E0C0B4E}" type="datetimeFigureOut">
               <a:rPr lang="ko-KR" altLang="en-US" smtClean="0"/>
-              <a:t>2021-02-02</a:t>
+              <a:t>2021-05-04</a:t>
             </a:fld>
             <a:endParaRPr lang="ko-KR" altLang="en-US"/>
           </a:p>
@@ -817,7 +818,7 @@
           <a:p>
             <a:fld id="{79B03FC2-6042-4981-9EF4-57916E0C0B4E}" type="datetimeFigureOut">
               <a:rPr lang="ko-KR" altLang="en-US" smtClean="0"/>
-              <a:t>2021-02-02</a:t>
+              <a:t>2021-05-04</a:t>
             </a:fld>
             <a:endParaRPr lang="ko-KR" altLang="en-US"/>
           </a:p>
@@ -1025,7 +1026,7 @@
           <a:p>
             <a:fld id="{79B03FC2-6042-4981-9EF4-57916E0C0B4E}" type="datetimeFigureOut">
               <a:rPr lang="ko-KR" altLang="en-US" smtClean="0"/>
-              <a:t>2021-02-02</a:t>
+              <a:t>2021-05-04</a:t>
             </a:fld>
             <a:endParaRPr lang="ko-KR" altLang="en-US"/>
           </a:p>
@@ -1178,7 +1179,7 @@
           <a:p>
             <a:fld id="{79B03FC2-6042-4981-9EF4-57916E0C0B4E}" type="datetimeFigureOut">
               <a:rPr lang="ko-KR" altLang="en-US" smtClean="0"/>
-              <a:t>2021-02-02</a:t>
+              <a:t>2021-05-04</a:t>
             </a:fld>
             <a:endParaRPr lang="ko-KR" altLang="en-US"/>
           </a:p>
@@ -1525,7 +1526,7 @@
           <a:p>
             <a:fld id="{79B03FC2-6042-4981-9EF4-57916E0C0B4E}" type="datetimeFigureOut">
               <a:rPr lang="ko-KR" altLang="en-US" smtClean="0"/>
-              <a:t>2021-02-02</a:t>
+              <a:t>2021-05-04</a:t>
             </a:fld>
             <a:endParaRPr lang="ko-KR" altLang="en-US"/>
           </a:p>
@@ -1800,7 +1801,7 @@
           <a:p>
             <a:fld id="{79B03FC2-6042-4981-9EF4-57916E0C0B4E}" type="datetimeFigureOut">
               <a:rPr lang="ko-KR" altLang="en-US" smtClean="0"/>
-              <a:t>2021-02-02</a:t>
+              <a:t>2021-05-04</a:t>
             </a:fld>
             <a:endParaRPr lang="ko-KR" altLang="en-US"/>
           </a:p>
@@ -2065,7 +2066,7 @@
           <a:p>
             <a:fld id="{79B03FC2-6042-4981-9EF4-57916E0C0B4E}" type="datetimeFigureOut">
               <a:rPr lang="ko-KR" altLang="en-US" smtClean="0"/>
-              <a:t>2021-02-02</a:t>
+              <a:t>2021-05-04</a:t>
             </a:fld>
             <a:endParaRPr lang="ko-KR" altLang="en-US"/>
           </a:p>
@@ -2477,7 +2478,7 @@
           <a:p>
             <a:fld id="{79B03FC2-6042-4981-9EF4-57916E0C0B4E}" type="datetimeFigureOut">
               <a:rPr lang="ko-KR" altLang="en-US" smtClean="0"/>
-              <a:t>2021-02-02</a:t>
+              <a:t>2021-05-04</a:t>
             </a:fld>
             <a:endParaRPr lang="ko-KR" altLang="en-US"/>
           </a:p>
@@ -2618,7 +2619,7 @@
           <a:p>
             <a:fld id="{79B03FC2-6042-4981-9EF4-57916E0C0B4E}" type="datetimeFigureOut">
               <a:rPr lang="ko-KR" altLang="en-US" smtClean="0"/>
-              <a:t>2021-02-02</a:t>
+              <a:t>2021-05-04</a:t>
             </a:fld>
             <a:endParaRPr lang="ko-KR" altLang="en-US"/>
           </a:p>
@@ -2731,7 +2732,7 @@
           <a:p>
             <a:fld id="{79B03FC2-6042-4981-9EF4-57916E0C0B4E}" type="datetimeFigureOut">
               <a:rPr lang="ko-KR" altLang="en-US" smtClean="0"/>
-              <a:t>2021-02-02</a:t>
+              <a:t>2021-05-04</a:t>
             </a:fld>
             <a:endParaRPr lang="ko-KR" altLang="en-US"/>
           </a:p>
@@ -3042,7 +3043,7 @@
           <a:p>
             <a:fld id="{79B03FC2-6042-4981-9EF4-57916E0C0B4E}" type="datetimeFigureOut">
               <a:rPr lang="ko-KR" altLang="en-US" smtClean="0"/>
-              <a:t>2021-02-02</a:t>
+              <a:t>2021-05-04</a:t>
             </a:fld>
             <a:endParaRPr lang="ko-KR" altLang="en-US"/>
           </a:p>
@@ -3330,7 +3331,7 @@
           <a:p>
             <a:fld id="{79B03FC2-6042-4981-9EF4-57916E0C0B4E}" type="datetimeFigureOut">
               <a:rPr lang="ko-KR" altLang="en-US" smtClean="0"/>
-              <a:t>2021-02-02</a:t>
+              <a:t>2021-05-04</a:t>
             </a:fld>
             <a:endParaRPr lang="ko-KR" altLang="en-US"/>
           </a:p>
@@ -3571,7 +3572,7 @@
           <a:p>
             <a:fld id="{79B03FC2-6042-4981-9EF4-57916E0C0B4E}" type="datetimeFigureOut">
               <a:rPr lang="ko-KR" altLang="en-US" smtClean="0"/>
-              <a:t>2021-02-02</a:t>
+              <a:t>2021-05-04</a:t>
             </a:fld>
             <a:endParaRPr lang="ko-KR" altLang="en-US"/>
           </a:p>
@@ -4135,7 +4136,7 @@
             <p:ph idx="1"/>
             <p:extLst>
               <p:ext uri="{D42A27DB-BD31-4B8C-83A1-F6EECF244321}">
-                <p14:modId xmlns:p14="http://schemas.microsoft.com/office/powerpoint/2010/main" val="199274555"/>
+                <p14:modId xmlns:p14="http://schemas.microsoft.com/office/powerpoint/2010/main" val="855497069"/>
               </p:ext>
             </p:extLst>
           </p:nvPr>
@@ -4344,7 +4345,11 @@
                     <a:lstStyle/>
                     <a:p>
                       <a:pPr algn="ctr" latinLnBrk="1"/>
-                      <a:endParaRPr lang="ko-KR" altLang="en-US"/>
+                      <a:r>
+                        <a:rPr lang="en-US" altLang="ko-KR" dirty="0"/>
+                        <a:t>2021.05.03</a:t>
+                      </a:r>
+                      <a:endParaRPr lang="ko-KR" altLang="en-US" dirty="0"/>
                     </a:p>
                   </a:txBody>
                   <a:tcPr/>
@@ -4355,6 +4360,10 @@
                     <a:lstStyle/>
                     <a:p>
                       <a:pPr algn="ctr" latinLnBrk="1"/>
+                      <a:r>
+                        <a:rPr lang="en-US" altLang="ko-KR" dirty="0"/>
+                        <a:t>1.2</a:t>
+                      </a:r>
                       <a:endParaRPr lang="ko-KR" altLang="en-US" dirty="0"/>
                     </a:p>
                   </a:txBody>
@@ -4366,7 +4375,10 @@
                     <a:lstStyle/>
                     <a:p>
                       <a:pPr latinLnBrk="1"/>
-                      <a:endParaRPr lang="ko-KR" altLang="en-US" dirty="0"/>
+                      <a:r>
+                        <a:rPr lang="ko-KR" altLang="en-US" dirty="0"/>
+                        <a:t>추가 및 변경내용 적용</a:t>
+                      </a:r>
                     </a:p>
                   </a:txBody>
                   <a:tcPr/>
@@ -7399,10 +7411,749 @@
           </a:p>
         </p:txBody>
       </p:sp>
+      <p:cxnSp>
+        <p:nvCxnSpPr>
+          <p:cNvPr id="11" name="직선 연결선 10">
+            <a:extLst>
+              <a:ext uri="{FF2B5EF4-FFF2-40B4-BE49-F238E27FC236}">
+                <a16:creationId xmlns:a16="http://schemas.microsoft.com/office/drawing/2014/main" id="{84DBEED7-2F3F-4B7B-A43C-B8959F7ECB06}"/>
+              </a:ext>
+            </a:extLst>
+          </p:cNvPr>
+          <p:cNvCxnSpPr/>
+          <p:nvPr/>
+        </p:nvCxnSpPr>
+        <p:spPr>
+          <a:xfrm flipV="1">
+            <a:off x="582706" y="730250"/>
+            <a:ext cx="10542494" cy="5410574"/>
+          </a:xfrm>
+          <a:prstGeom prst="line">
+            <a:avLst/>
+          </a:prstGeom>
+          <a:ln w="28575"/>
+        </p:spPr>
+        <p:style>
+          <a:lnRef idx="1">
+            <a:schemeClr val="dk1"/>
+          </a:lnRef>
+          <a:fillRef idx="0">
+            <a:schemeClr val="dk1"/>
+          </a:fillRef>
+          <a:effectRef idx="0">
+            <a:schemeClr val="dk1"/>
+          </a:effectRef>
+          <a:fontRef idx="minor">
+            <a:schemeClr val="tx1"/>
+          </a:fontRef>
+        </p:style>
+      </p:cxnSp>
+      <p:cxnSp>
+        <p:nvCxnSpPr>
+          <p:cNvPr id="13" name="직선 연결선 12">
+            <a:extLst>
+              <a:ext uri="{FF2B5EF4-FFF2-40B4-BE49-F238E27FC236}">
+                <a16:creationId xmlns:a16="http://schemas.microsoft.com/office/drawing/2014/main" id="{C4BFF622-96A1-420A-A0F9-171068157437}"/>
+              </a:ext>
+            </a:extLst>
+          </p:cNvPr>
+          <p:cNvCxnSpPr/>
+          <p:nvPr/>
+        </p:nvCxnSpPr>
+        <p:spPr>
+          <a:xfrm>
+            <a:off x="546847" y="466165"/>
+            <a:ext cx="11187953" cy="5925670"/>
+          </a:xfrm>
+          <a:prstGeom prst="line">
+            <a:avLst/>
+          </a:prstGeom>
+          <a:ln w="28575"/>
+        </p:spPr>
+        <p:style>
+          <a:lnRef idx="1">
+            <a:schemeClr val="dk1"/>
+          </a:lnRef>
+          <a:fillRef idx="0">
+            <a:schemeClr val="dk1"/>
+          </a:fillRef>
+          <a:effectRef idx="0">
+            <a:schemeClr val="dk1"/>
+          </a:effectRef>
+          <a:fontRef idx="minor">
+            <a:schemeClr val="tx1"/>
+          </a:fontRef>
+        </p:style>
+      </p:cxnSp>
     </p:spTree>
     <p:extLst>
       <p:ext uri="{BB962C8B-B14F-4D97-AF65-F5344CB8AC3E}">
         <p14:creationId xmlns:p14="http://schemas.microsoft.com/office/powerpoint/2010/main" val="618389490"/>
+      </p:ext>
+    </p:extLst>
+  </p:cSld>
+  <p:clrMapOvr>
+    <a:masterClrMapping/>
+  </p:clrMapOvr>
+</p:sld>
+</file>
+
+<file path=ppt/slides/slide7.xml><?xml version="1.0" encoding="utf-8"?>
+<p:sld xmlns:a="http://schemas.openxmlformats.org/drawingml/2006/main" xmlns:r="http://schemas.openxmlformats.org/officeDocument/2006/relationships" xmlns:p="http://schemas.openxmlformats.org/presentationml/2006/main">
+  <p:cSld>
+    <p:spTree>
+      <p:nvGrpSpPr>
+        <p:cNvPr id="1" name=""/>
+        <p:cNvGrpSpPr/>
+        <p:nvPr/>
+      </p:nvGrpSpPr>
+      <p:grpSpPr>
+        <a:xfrm>
+          <a:off x="0" y="0"/>
+          <a:ext cx="0" cy="0"/>
+          <a:chOff x="0" y="0"/>
+          <a:chExt cx="0" cy="0"/>
+        </a:xfrm>
+      </p:grpSpPr>
+      <p:sp>
+        <p:nvSpPr>
+          <p:cNvPr id="2" name="제목 1">
+            <a:extLst>
+              <a:ext uri="{FF2B5EF4-FFF2-40B4-BE49-F238E27FC236}">
+                <a16:creationId xmlns:a16="http://schemas.microsoft.com/office/drawing/2014/main" id="{C9468992-6595-4FFC-948D-5CB02BD95C0C}"/>
+              </a:ext>
+            </a:extLst>
+          </p:cNvPr>
+          <p:cNvSpPr>
+            <a:spLocks noGrp="1"/>
+          </p:cNvSpPr>
+          <p:nvPr>
+            <p:ph type="title"/>
+          </p:nvPr>
+        </p:nvSpPr>
+        <p:spPr/>
+        <p:txBody>
+          <a:bodyPr/>
+          <a:lstStyle/>
+          <a:p>
+            <a:r>
+              <a:rPr lang="ko-KR" altLang="en-US" sz="2000" dirty="0"/>
+              <a:t>추가 수정사항</a:t>
+            </a:r>
+          </a:p>
+        </p:txBody>
+      </p:sp>
+      <p:sp>
+        <p:nvSpPr>
+          <p:cNvPr id="3" name="텍스트 개체 틀 2">
+            <a:extLst>
+              <a:ext uri="{FF2B5EF4-FFF2-40B4-BE49-F238E27FC236}">
+                <a16:creationId xmlns:a16="http://schemas.microsoft.com/office/drawing/2014/main" id="{A2F4DEA8-ECED-4BB9-A4AB-F5C549739041}"/>
+              </a:ext>
+            </a:extLst>
+          </p:cNvPr>
+          <p:cNvSpPr>
+            <a:spLocks noGrp="1"/>
+          </p:cNvSpPr>
+          <p:nvPr>
+            <p:ph type="body" sz="quarter" idx="18"/>
+          </p:nvPr>
+        </p:nvSpPr>
+        <p:spPr/>
+        <p:txBody>
+          <a:bodyPr>
+            <a:normAutofit/>
+          </a:bodyPr>
+          <a:lstStyle/>
+          <a:p>
+            <a:pPr>
+              <a:buFont typeface="+mj-lt"/>
+              <a:buAutoNum type="arabicPeriod"/>
+            </a:pPr>
+            <a:r>
+              <a:rPr lang="ko-KR" altLang="en-US" sz="1100" dirty="0"/>
+              <a:t>가로 형태로 두 줄로 변경</a:t>
+            </a:r>
+            <a:endParaRPr lang="en-US" altLang="ko-KR" sz="1100" dirty="0"/>
+          </a:p>
+          <a:p>
+            <a:pPr lvl="1">
+              <a:buFont typeface="+mj-lt"/>
+              <a:buAutoNum type="arabicPeriod"/>
+            </a:pPr>
+            <a:r>
+              <a:rPr lang="ko-KR" altLang="en-US" sz="1100" dirty="0"/>
+              <a:t>풍향</a:t>
+            </a:r>
+            <a:endParaRPr lang="en-US" altLang="ko-KR" sz="1100" dirty="0"/>
+          </a:p>
+          <a:p>
+            <a:pPr lvl="1">
+              <a:buFont typeface="+mj-lt"/>
+              <a:buAutoNum type="arabicPeriod"/>
+            </a:pPr>
+            <a:r>
+              <a:rPr lang="ko-KR" altLang="en-US" sz="1100" dirty="0"/>
+              <a:t>습도</a:t>
+            </a:r>
+            <a:endParaRPr lang="en-US" altLang="ko-KR" sz="1100" dirty="0"/>
+          </a:p>
+          <a:p>
+            <a:pPr lvl="1">
+              <a:buFont typeface="+mj-lt"/>
+              <a:buAutoNum type="arabicPeriod"/>
+            </a:pPr>
+            <a:r>
+              <a:rPr lang="ko-KR" altLang="en-US" sz="1100" dirty="0"/>
+              <a:t>미세먼지</a:t>
+            </a:r>
+            <a:endParaRPr lang="en-US" altLang="ko-KR" sz="1100" dirty="0"/>
+          </a:p>
+          <a:p>
+            <a:pPr lvl="1">
+              <a:buFont typeface="+mj-lt"/>
+              <a:buAutoNum type="arabicPeriod"/>
+            </a:pPr>
+            <a:r>
+              <a:rPr lang="ko-KR" altLang="en-US" sz="1100" dirty="0"/>
+              <a:t>초미세먼지</a:t>
+            </a:r>
+            <a:endParaRPr lang="en-US" altLang="ko-KR" sz="1100" dirty="0"/>
+          </a:p>
+          <a:p>
+            <a:pPr lvl="1">
+              <a:buFont typeface="+mj-lt"/>
+              <a:buAutoNum type="arabicPeriod"/>
+            </a:pPr>
+            <a:r>
+              <a:rPr lang="ko-KR" altLang="en-US" sz="1100" dirty="0"/>
+              <a:t>자외선</a:t>
+            </a:r>
+            <a:endParaRPr lang="en-US" altLang="ko-KR" sz="1100" dirty="0"/>
+          </a:p>
+          <a:p>
+            <a:pPr>
+              <a:buFont typeface="+mj-lt"/>
+              <a:buAutoNum type="arabicPeriod"/>
+            </a:pPr>
+            <a:r>
+              <a:rPr lang="ko-KR" altLang="en-US" sz="1100" dirty="0"/>
+              <a:t>주간 날씨 정보 제공</a:t>
+            </a:r>
+            <a:endParaRPr lang="en-US" altLang="ko-KR" sz="1100" dirty="0"/>
+          </a:p>
+          <a:p>
+            <a:pPr lvl="1">
+              <a:buFont typeface="+mj-lt"/>
+              <a:buAutoNum type="arabicPeriod"/>
+            </a:pPr>
+            <a:r>
+              <a:rPr lang="en-US" altLang="ko-KR" sz="1100" dirty="0"/>
+              <a:t>3</a:t>
+            </a:r>
+            <a:r>
+              <a:rPr lang="ko-KR" altLang="en-US" sz="1100" dirty="0"/>
+              <a:t>일간의 날씨 제공</a:t>
+            </a:r>
+            <a:endParaRPr lang="en-US" altLang="ko-KR" sz="1100" dirty="0"/>
+          </a:p>
+          <a:p>
+            <a:pPr>
+              <a:buFont typeface="+mj-lt"/>
+              <a:buAutoNum type="arabicPeriod"/>
+            </a:pPr>
+            <a:r>
+              <a:rPr lang="ko-KR" altLang="en-US" sz="1100" dirty="0"/>
+              <a:t>적용 기상제공사</a:t>
+            </a:r>
+            <a:endParaRPr lang="en-US" altLang="ko-KR" sz="1100" dirty="0"/>
+          </a:p>
+          <a:p>
+            <a:pPr lvl="1">
+              <a:buFont typeface="+mj-lt"/>
+              <a:buAutoNum type="arabicPeriod"/>
+            </a:pPr>
+            <a:r>
+              <a:rPr lang="ko-KR" altLang="en-US" sz="1100" dirty="0"/>
+              <a:t>기상청</a:t>
+            </a:r>
+            <a:r>
+              <a:rPr lang="en-US" altLang="ko-KR" sz="1100" dirty="0"/>
+              <a:t>(</a:t>
+            </a:r>
+            <a:r>
+              <a:rPr lang="en-US" altLang="ko-KR" sz="1100" dirty="0">
+                <a:hlinkClick r:id="rId2"/>
+              </a:rPr>
+              <a:t>https://www.weather.go.kr/w/index.do</a:t>
+            </a:r>
+            <a:r>
+              <a:rPr lang="en-US" altLang="ko-KR" sz="1100" dirty="0"/>
+              <a:t>)</a:t>
+            </a:r>
+          </a:p>
+          <a:p>
+            <a:pPr lvl="1">
+              <a:buFont typeface="+mj-lt"/>
+              <a:buAutoNum type="arabicPeriod"/>
+            </a:pPr>
+            <a:r>
+              <a:rPr lang="en-US" altLang="ko-KR" sz="1100" dirty="0" err="1"/>
+              <a:t>OpenWeatherMap</a:t>
+            </a:r>
+            <a:r>
+              <a:rPr lang="ko-KR" altLang="en-US" sz="1100" dirty="0"/>
+              <a:t> </a:t>
+            </a:r>
+            <a:r>
+              <a:rPr lang="en-US" altLang="ko-KR" sz="1100" dirty="0"/>
+              <a:t>(</a:t>
+            </a:r>
+            <a:r>
+              <a:rPr lang="en-US" altLang="ko-KR" sz="1100" dirty="0">
+                <a:hlinkClick r:id="rId3"/>
+              </a:rPr>
+              <a:t>https://openweathermap.org/</a:t>
+            </a:r>
+            <a:r>
+              <a:rPr lang="en-US" altLang="ko-KR" sz="1100" dirty="0"/>
+              <a:t>)</a:t>
+            </a:r>
+          </a:p>
+          <a:p>
+            <a:pPr lvl="1">
+              <a:buFont typeface="+mj-lt"/>
+              <a:buAutoNum type="arabicPeriod"/>
+            </a:pPr>
+            <a:r>
+              <a:rPr lang="en-US" altLang="ko-KR" sz="1100" dirty="0"/>
+              <a:t>AccuWeather (</a:t>
+            </a:r>
+            <a:r>
+              <a:rPr lang="en-US" altLang="ko-KR" sz="1100" dirty="0">
+                <a:hlinkClick r:id="rId4"/>
+              </a:rPr>
+              <a:t>https://www.accuweather.com/</a:t>
+            </a:r>
+            <a:r>
+              <a:rPr lang="en-US" altLang="ko-KR" sz="1100" dirty="0"/>
+              <a:t>)</a:t>
+            </a:r>
+          </a:p>
+        </p:txBody>
+      </p:sp>
+      <p:sp>
+        <p:nvSpPr>
+          <p:cNvPr id="4" name="텍스트 개체 틀 3">
+            <a:extLst>
+              <a:ext uri="{FF2B5EF4-FFF2-40B4-BE49-F238E27FC236}">
+                <a16:creationId xmlns:a16="http://schemas.microsoft.com/office/drawing/2014/main" id="{9584F9E8-7FF3-4D5A-952D-19FAF04016D5}"/>
+              </a:ext>
+            </a:extLst>
+          </p:cNvPr>
+          <p:cNvSpPr>
+            <a:spLocks noGrp="1"/>
+          </p:cNvSpPr>
+          <p:nvPr>
+            <p:ph type="body" sz="quarter" idx="19"/>
+          </p:nvPr>
+        </p:nvSpPr>
+        <p:spPr/>
+        <p:txBody>
+          <a:bodyPr>
+            <a:normAutofit/>
+          </a:bodyPr>
+          <a:lstStyle/>
+          <a:p>
+            <a:pPr marL="0" indent="0">
+              <a:buNone/>
+            </a:pPr>
+            <a:r>
+              <a:rPr lang="ko-KR" altLang="en-US" sz="1600" dirty="0"/>
+              <a:t>추가 내용</a:t>
+            </a:r>
+          </a:p>
+        </p:txBody>
+      </p:sp>
+      <p:pic>
+        <p:nvPicPr>
+          <p:cNvPr id="11" name="그림 10">
+            <a:extLst>
+              <a:ext uri="{FF2B5EF4-FFF2-40B4-BE49-F238E27FC236}">
+                <a16:creationId xmlns:a16="http://schemas.microsoft.com/office/drawing/2014/main" id="{20F1C5D0-3250-44B5-B2E2-0BE6C912FFA8}"/>
+              </a:ext>
+            </a:extLst>
+          </p:cNvPr>
+          <p:cNvPicPr>
+            <a:picLocks noChangeAspect="1"/>
+          </p:cNvPicPr>
+          <p:nvPr/>
+        </p:nvPicPr>
+        <p:blipFill>
+          <a:blip r:embed="rId5"/>
+          <a:stretch>
+            <a:fillRect/>
+          </a:stretch>
+        </p:blipFill>
+        <p:spPr>
+          <a:xfrm>
+            <a:off x="2822482" y="1068825"/>
+            <a:ext cx="2780459" cy="4943038"/>
+          </a:xfrm>
+          <a:prstGeom prst="rect">
+            <a:avLst/>
+          </a:prstGeom>
+        </p:spPr>
+      </p:pic>
+      <p:sp>
+        <p:nvSpPr>
+          <p:cNvPr id="12" name="직사각형 11">
+            <a:extLst>
+              <a:ext uri="{FF2B5EF4-FFF2-40B4-BE49-F238E27FC236}">
+                <a16:creationId xmlns:a16="http://schemas.microsoft.com/office/drawing/2014/main" id="{82789353-FC45-49AD-BF3B-CFC67C78460C}"/>
+              </a:ext>
+            </a:extLst>
+          </p:cNvPr>
+          <p:cNvSpPr/>
+          <p:nvPr/>
+        </p:nvSpPr>
+        <p:spPr>
+          <a:xfrm>
+            <a:off x="2697676" y="4249270"/>
+            <a:ext cx="3156277" cy="788895"/>
+          </a:xfrm>
+          <a:prstGeom prst="rect">
+            <a:avLst/>
+          </a:prstGeom>
+          <a:noFill/>
+          <a:ln w="19050">
+            <a:solidFill>
+              <a:schemeClr val="accent2"/>
+            </a:solidFill>
+          </a:ln>
+        </p:spPr>
+        <p:style>
+          <a:lnRef idx="2">
+            <a:schemeClr val="accent1">
+              <a:shade val="50000"/>
+            </a:schemeClr>
+          </a:lnRef>
+          <a:fillRef idx="1">
+            <a:schemeClr val="accent1"/>
+          </a:fillRef>
+          <a:effectRef idx="0">
+            <a:schemeClr val="accent1"/>
+          </a:effectRef>
+          <a:fontRef idx="minor">
+            <a:schemeClr val="lt1"/>
+          </a:fontRef>
+        </p:style>
+        <p:txBody>
+          <a:bodyPr rtlCol="0" anchor="ctr"/>
+          <a:lstStyle/>
+          <a:p>
+            <a:pPr algn="ctr"/>
+            <a:endParaRPr lang="ko-KR" altLang="en-US"/>
+          </a:p>
+        </p:txBody>
+      </p:sp>
+      <p:sp>
+        <p:nvSpPr>
+          <p:cNvPr id="13" name="타원 12">
+            <a:extLst>
+              <a:ext uri="{FF2B5EF4-FFF2-40B4-BE49-F238E27FC236}">
+                <a16:creationId xmlns:a16="http://schemas.microsoft.com/office/drawing/2014/main" id="{34600723-4651-4660-A045-032D23A9BA01}"/>
+              </a:ext>
+            </a:extLst>
+          </p:cNvPr>
+          <p:cNvSpPr/>
+          <p:nvPr/>
+        </p:nvSpPr>
+        <p:spPr>
+          <a:xfrm>
+            <a:off x="2571470" y="4126443"/>
+            <a:ext cx="235277" cy="245653"/>
+          </a:xfrm>
+          <a:prstGeom prst="ellipse">
+            <a:avLst/>
+          </a:prstGeom>
+          <a:solidFill>
+            <a:schemeClr val="accent2">
+              <a:lumMod val="60000"/>
+              <a:lumOff val="40000"/>
+            </a:schemeClr>
+          </a:solidFill>
+          <a:ln>
+            <a:solidFill>
+              <a:schemeClr val="accent2">
+                <a:lumMod val="60000"/>
+                <a:lumOff val="40000"/>
+              </a:schemeClr>
+            </a:solidFill>
+          </a:ln>
+        </p:spPr>
+        <p:style>
+          <a:lnRef idx="2">
+            <a:schemeClr val="accent1">
+              <a:shade val="50000"/>
+            </a:schemeClr>
+          </a:lnRef>
+          <a:fillRef idx="1">
+            <a:schemeClr val="accent1"/>
+          </a:fillRef>
+          <a:effectRef idx="0">
+            <a:schemeClr val="accent1"/>
+          </a:effectRef>
+          <a:fontRef idx="minor">
+            <a:schemeClr val="lt1"/>
+          </a:fontRef>
+        </p:style>
+        <p:txBody>
+          <a:bodyPr rtlCol="0" anchor="ctr"/>
+          <a:lstStyle/>
+          <a:p>
+            <a:pPr algn="ctr"/>
+            <a:r>
+              <a:rPr lang="en-US" altLang="ko-KR" sz="1400" dirty="0"/>
+              <a:t>1</a:t>
+            </a:r>
+          </a:p>
+        </p:txBody>
+      </p:sp>
+      <p:sp>
+        <p:nvSpPr>
+          <p:cNvPr id="14" name="직사각형 13">
+            <a:extLst>
+              <a:ext uri="{FF2B5EF4-FFF2-40B4-BE49-F238E27FC236}">
+                <a16:creationId xmlns:a16="http://schemas.microsoft.com/office/drawing/2014/main" id="{8CB9BDF3-43DC-49F8-9B43-F29E6754AAB8}"/>
+              </a:ext>
+            </a:extLst>
+          </p:cNvPr>
+          <p:cNvSpPr/>
+          <p:nvPr/>
+        </p:nvSpPr>
+        <p:spPr>
+          <a:xfrm>
+            <a:off x="2689108" y="5789175"/>
+            <a:ext cx="3156277" cy="788895"/>
+          </a:xfrm>
+          <a:prstGeom prst="rect">
+            <a:avLst/>
+          </a:prstGeom>
+          <a:noFill/>
+          <a:ln w="19050">
+            <a:solidFill>
+              <a:schemeClr val="accent2"/>
+            </a:solidFill>
+          </a:ln>
+        </p:spPr>
+        <p:style>
+          <a:lnRef idx="2">
+            <a:schemeClr val="accent1">
+              <a:shade val="50000"/>
+            </a:schemeClr>
+          </a:lnRef>
+          <a:fillRef idx="1">
+            <a:schemeClr val="accent1"/>
+          </a:fillRef>
+          <a:effectRef idx="0">
+            <a:schemeClr val="accent1"/>
+          </a:effectRef>
+          <a:fontRef idx="minor">
+            <a:schemeClr val="lt1"/>
+          </a:fontRef>
+        </p:style>
+        <p:txBody>
+          <a:bodyPr rtlCol="0" anchor="ctr"/>
+          <a:lstStyle/>
+          <a:p>
+            <a:pPr algn="ctr"/>
+            <a:endParaRPr lang="ko-KR" altLang="en-US"/>
+          </a:p>
+        </p:txBody>
+      </p:sp>
+      <p:sp>
+        <p:nvSpPr>
+          <p:cNvPr id="15" name="타원 14">
+            <a:extLst>
+              <a:ext uri="{FF2B5EF4-FFF2-40B4-BE49-F238E27FC236}">
+                <a16:creationId xmlns:a16="http://schemas.microsoft.com/office/drawing/2014/main" id="{6CE82FB5-E9E2-40F1-88C4-AA54B8FD3C02}"/>
+              </a:ext>
+            </a:extLst>
+          </p:cNvPr>
+          <p:cNvSpPr/>
+          <p:nvPr/>
+        </p:nvSpPr>
+        <p:spPr>
+          <a:xfrm>
+            <a:off x="2520518" y="5666348"/>
+            <a:ext cx="235277" cy="245653"/>
+          </a:xfrm>
+          <a:prstGeom prst="ellipse">
+            <a:avLst/>
+          </a:prstGeom>
+          <a:solidFill>
+            <a:schemeClr val="accent2">
+              <a:lumMod val="60000"/>
+              <a:lumOff val="40000"/>
+            </a:schemeClr>
+          </a:solidFill>
+          <a:ln>
+            <a:solidFill>
+              <a:schemeClr val="accent2">
+                <a:lumMod val="60000"/>
+                <a:lumOff val="40000"/>
+              </a:schemeClr>
+            </a:solidFill>
+          </a:ln>
+        </p:spPr>
+        <p:style>
+          <a:lnRef idx="2">
+            <a:schemeClr val="accent1">
+              <a:shade val="50000"/>
+            </a:schemeClr>
+          </a:lnRef>
+          <a:fillRef idx="1">
+            <a:schemeClr val="accent1"/>
+          </a:fillRef>
+          <a:effectRef idx="0">
+            <a:schemeClr val="accent1"/>
+          </a:effectRef>
+          <a:fontRef idx="minor">
+            <a:schemeClr val="lt1"/>
+          </a:fontRef>
+        </p:style>
+        <p:txBody>
+          <a:bodyPr rtlCol="0" anchor="ctr"/>
+          <a:lstStyle/>
+          <a:p>
+            <a:pPr algn="ctr"/>
+            <a:r>
+              <a:rPr lang="en-US" altLang="ko-KR" sz="1400" dirty="0"/>
+              <a:t>2</a:t>
+            </a:r>
+          </a:p>
+        </p:txBody>
+      </p:sp>
+      <p:sp>
+        <p:nvSpPr>
+          <p:cNvPr id="16" name="직사각형 15">
+            <a:extLst>
+              <a:ext uri="{FF2B5EF4-FFF2-40B4-BE49-F238E27FC236}">
+                <a16:creationId xmlns:a16="http://schemas.microsoft.com/office/drawing/2014/main" id="{DF111E4E-818D-4D96-83C1-34AE36E74FA5}"/>
+              </a:ext>
+            </a:extLst>
+          </p:cNvPr>
+          <p:cNvSpPr/>
+          <p:nvPr/>
+        </p:nvSpPr>
+        <p:spPr>
+          <a:xfrm>
+            <a:off x="4616521" y="2214282"/>
+            <a:ext cx="1053108" cy="1912161"/>
+          </a:xfrm>
+          <a:prstGeom prst="rect">
+            <a:avLst/>
+          </a:prstGeom>
+          <a:noFill/>
+          <a:ln w="19050">
+            <a:solidFill>
+              <a:schemeClr val="accent2"/>
+            </a:solidFill>
+          </a:ln>
+        </p:spPr>
+        <p:style>
+          <a:lnRef idx="2">
+            <a:schemeClr val="accent1">
+              <a:shade val="50000"/>
+            </a:schemeClr>
+          </a:lnRef>
+          <a:fillRef idx="1">
+            <a:schemeClr val="accent1"/>
+          </a:fillRef>
+          <a:effectRef idx="0">
+            <a:schemeClr val="accent1"/>
+          </a:effectRef>
+          <a:fontRef idx="minor">
+            <a:schemeClr val="lt1"/>
+          </a:fontRef>
+        </p:style>
+        <p:txBody>
+          <a:bodyPr rtlCol="0" anchor="ctr"/>
+          <a:lstStyle/>
+          <a:p>
+            <a:pPr algn="ctr"/>
+            <a:endParaRPr lang="ko-KR" altLang="en-US"/>
+          </a:p>
+        </p:txBody>
+      </p:sp>
+      <p:sp>
+        <p:nvSpPr>
+          <p:cNvPr id="17" name="타원 16">
+            <a:extLst>
+              <a:ext uri="{FF2B5EF4-FFF2-40B4-BE49-F238E27FC236}">
+                <a16:creationId xmlns:a16="http://schemas.microsoft.com/office/drawing/2014/main" id="{52A792A2-1003-4C05-AAC4-868A59E1D6F1}"/>
+              </a:ext>
+            </a:extLst>
+          </p:cNvPr>
+          <p:cNvSpPr/>
+          <p:nvPr/>
+        </p:nvSpPr>
+        <p:spPr>
+          <a:xfrm>
+            <a:off x="4498882" y="2121280"/>
+            <a:ext cx="235277" cy="245653"/>
+          </a:xfrm>
+          <a:prstGeom prst="ellipse">
+            <a:avLst/>
+          </a:prstGeom>
+          <a:solidFill>
+            <a:schemeClr val="accent2">
+              <a:lumMod val="60000"/>
+              <a:lumOff val="40000"/>
+            </a:schemeClr>
+          </a:solidFill>
+          <a:ln>
+            <a:solidFill>
+              <a:schemeClr val="accent2">
+                <a:lumMod val="60000"/>
+                <a:lumOff val="40000"/>
+              </a:schemeClr>
+            </a:solidFill>
+          </a:ln>
+        </p:spPr>
+        <p:style>
+          <a:lnRef idx="2">
+            <a:schemeClr val="accent1">
+              <a:shade val="50000"/>
+            </a:schemeClr>
+          </a:lnRef>
+          <a:fillRef idx="1">
+            <a:schemeClr val="accent1"/>
+          </a:fillRef>
+          <a:effectRef idx="0">
+            <a:schemeClr val="accent1"/>
+          </a:effectRef>
+          <a:fontRef idx="minor">
+            <a:schemeClr val="lt1"/>
+          </a:fontRef>
+        </p:style>
+        <p:txBody>
+          <a:bodyPr rtlCol="0" anchor="ctr"/>
+          <a:lstStyle/>
+          <a:p>
+            <a:pPr algn="ctr"/>
+            <a:r>
+              <a:rPr lang="en-US" altLang="ko-KR" sz="1400" dirty="0"/>
+              <a:t>3</a:t>
+            </a:r>
+          </a:p>
+        </p:txBody>
+      </p:sp>
+    </p:spTree>
+    <p:extLst>
+      <p:ext uri="{BB962C8B-B14F-4D97-AF65-F5344CB8AC3E}">
+        <p14:creationId xmlns:p14="http://schemas.microsoft.com/office/powerpoint/2010/main" val="1053282047"/>
       </p:ext>
     </p:extLst>
   </p:cSld>
